--- a/PRESENTASI PKL.pptx
+++ b/PRESENTASI PKL.pptx
@@ -6,6 +6,8 @@
   </p:sldMasterIdLst>
   <p:sldIdLst>
     <p:sldId id="256" r:id="rId3"/>
+    <p:sldId id="257" r:id="rId4"/>
+    <p:sldId id="258" r:id="rId5"/>
   </p:sldIdLst>
   <p:sldSz cx="12192000" cy="6858000"/>
   <p:notesSz cx="6858000" cy="9144000"/>
@@ -2929,10 +2931,10 @@
         </p:nvGrpSpPr>
         <p:grpSpPr>
           <a:xfrm>
-            <a:off x="1325245" y="2448560"/>
-            <a:ext cx="5816600" cy="1562100"/>
-            <a:chOff x="2087" y="3762"/>
-            <a:chExt cx="9160" cy="2460"/>
+            <a:off x="1325245" y="2396490"/>
+            <a:ext cx="5816600" cy="1676400"/>
+            <a:chOff x="2087" y="3680"/>
+            <a:chExt cx="9160" cy="2640"/>
           </a:xfrm>
         </p:grpSpPr>
         <p:sp>
@@ -2944,7 +2946,7 @@
           <p:spPr>
             <a:xfrm>
               <a:off x="2087" y="4579"/>
-              <a:ext cx="9160" cy="919"/>
+              <a:ext cx="9160" cy="1016"/>
             </a:xfrm>
             <a:prstGeom prst="rect">
               <a:avLst/>
@@ -2957,13 +2959,13 @@
             </a:bodyPr>
             <a:p>
               <a:r>
-                <a:rPr lang="id-ID" altLang="en-US" sz="3200" b="1">
+                <a:rPr lang="id-ID" altLang="en-US" sz="3600" b="1">
                   <a:latin typeface="Poppins" panose="00000500000000000000" charset="0"/>
                   <a:cs typeface="Poppins" panose="00000500000000000000" charset="0"/>
                 </a:rPr>
                 <a:t>Praktik Kerja Lapangan</a:t>
               </a:r>
-              <a:endParaRPr lang="id-ID" altLang="en-US" sz="3200" b="1">
+              <a:endParaRPr lang="id-ID" altLang="en-US" sz="3600" b="1">
                 <a:latin typeface="Poppins" panose="00000500000000000000" charset="0"/>
                 <a:cs typeface="Poppins" panose="00000500000000000000" charset="0"/>
               </a:endParaRPr>
@@ -2979,7 +2981,7 @@
           <p:spPr>
             <a:xfrm>
               <a:off x="2087" y="5498"/>
-              <a:ext cx="9160" cy="725"/>
+              <a:ext cx="9160" cy="822"/>
             </a:xfrm>
             <a:prstGeom prst="rect">
               <a:avLst/>
@@ -2992,7 +2994,7 @@
             </a:bodyPr>
             <a:p>
               <a:r>
-                <a:rPr lang="id-ID" altLang="en-US" sz="2400" b="1">
+                <a:rPr lang="id-ID" altLang="en-US" sz="2800" b="1">
                   <a:solidFill>
                     <a:schemeClr val="tx1">
                       <a:lumMod val="50000"/>
@@ -3004,7 +3006,7 @@
                 </a:rPr>
                 <a:t>CV. Karya Hidup Sentosa</a:t>
               </a:r>
-              <a:endParaRPr lang="id-ID" altLang="en-US" sz="2400" b="1">
+              <a:endParaRPr lang="id-ID" altLang="en-US" sz="2800" b="1">
                 <a:solidFill>
                   <a:schemeClr val="tx1">
                     <a:lumMod val="50000"/>
@@ -3025,14 +3027,14 @@
           </p:nvSpPr>
           <p:spPr>
             <a:xfrm>
-              <a:off x="2267" y="3762"/>
-              <a:ext cx="1936" cy="614"/>
+              <a:off x="2267" y="3680"/>
+              <a:ext cx="2316" cy="696"/>
             </a:xfrm>
             <a:prstGeom prst="roundRect">
               <a:avLst/>
             </a:prstGeom>
             <a:solidFill>
-              <a:srgbClr val="FF0000"/>
+              <a:srgbClr val="DA251C"/>
             </a:solidFill>
             <a:ln>
               <a:noFill/>
@@ -3059,15 +3061,15 @@
             <a:p>
               <a:pPr algn="ctr"/>
               <a:r>
-                <a:rPr lang="id-ID" altLang="en-US" sz="2000" b="1">
-                  <a:latin typeface="Quicksand" charset="0"/>
-                  <a:cs typeface="Quicksand" charset="0"/>
+                <a:rPr lang="id-ID" altLang="en-US" sz="2400" b="1">
+                  <a:latin typeface="Poppins" panose="00000500000000000000" charset="0"/>
+                  <a:cs typeface="Poppins" panose="00000500000000000000" charset="0"/>
                 </a:rPr>
                 <a:t>1 Tahun</a:t>
               </a:r>
-              <a:endParaRPr lang="id-ID" altLang="en-US" sz="2000" b="1">
-                <a:latin typeface="Quicksand" charset="0"/>
-                <a:cs typeface="Quicksand" charset="0"/>
+              <a:endParaRPr lang="id-ID" altLang="en-US" sz="2400" b="1">
+                <a:latin typeface="Poppins" panose="00000500000000000000" charset="0"/>
+                <a:cs typeface="Poppins" panose="00000500000000000000" charset="0"/>
               </a:endParaRPr>
             </a:p>
           </p:txBody>
@@ -3082,7 +3084,7 @@
         <p:spPr>
           <a:xfrm>
             <a:off x="1325245" y="4723765"/>
-            <a:ext cx="5513070" cy="398780"/>
+            <a:ext cx="5513070" cy="460375"/>
           </a:xfrm>
           <a:prstGeom prst="rect">
             <a:avLst/>
@@ -3095,7 +3097,7 @@
           </a:bodyPr>
           <a:p>
             <a:r>
-              <a:rPr lang="id-ID" altLang="en-US" sz="2000">
+              <a:rPr lang="id-ID" altLang="en-US" sz="2400">
                 <a:solidFill>
                   <a:schemeClr val="tx1">
                     <a:lumMod val="65000"/>
@@ -3107,7 +3109,7 @@
               </a:rPr>
               <a:t>Rifki Bayu Ariyanto | XIII SIJA B | 30</a:t>
             </a:r>
-            <a:endParaRPr lang="id-ID" altLang="en-US" sz="2000">
+            <a:endParaRPr lang="id-ID" altLang="en-US" sz="2400">
               <a:solidFill>
                 <a:schemeClr val="tx1">
                   <a:lumMod val="65000"/>
@@ -3188,6 +3190,558 @@
   <p:clrMapOvr>
     <a:masterClrMapping/>
   </p:clrMapOvr>
+  <mc:AlternateContent xmlns:mc="http://schemas.openxmlformats.org/markup-compatibility/2006" xmlns:p159="http://schemas.microsoft.com/office/powerpoint/2015/09/main">
+    <mc:Choice Requires="p159">
+      <p:transition xmlns:p14="http://schemas.microsoft.com/office/powerpoint/2010/main" p14:dur="2000">
+        <p159:morph option="byObject"/>
+      </p:transition>
+    </mc:Choice>
+    <mc:Fallback>
+      <p:transition>
+        <p:fade/>
+      </p:transition>
+    </mc:Fallback>
+  </mc:AlternateContent>
+</p:sld>
+</file>
+
+<file path=ppt/slides/slide2.xml><?xml version="1.0" encoding="utf-8"?>
+<p:sld xmlns:a="http://schemas.openxmlformats.org/drawingml/2006/main" xmlns:r="http://schemas.openxmlformats.org/officeDocument/2006/relationships" xmlns:p="http://schemas.openxmlformats.org/presentationml/2006/main">
+  <p:cSld>
+    <p:spTree>
+      <p:nvGrpSpPr>
+        <p:cNvPr id="1" name=""/>
+        <p:cNvGrpSpPr/>
+        <p:nvPr/>
+      </p:nvGrpSpPr>
+      <p:grpSpPr/>
+      <p:sp>
+        <p:nvSpPr>
+          <p:cNvPr id="5" name="Text Box 4"/>
+          <p:cNvSpPr txBox="1"/>
+          <p:nvPr/>
+        </p:nvSpPr>
+        <p:spPr>
+          <a:xfrm>
+            <a:off x="515620" y="914400"/>
+            <a:ext cx="5816600" cy="583565"/>
+          </a:xfrm>
+          <a:prstGeom prst="rect">
+            <a:avLst/>
+          </a:prstGeom>
+          <a:noFill/>
+        </p:spPr>
+        <p:txBody>
+          <a:bodyPr wrap="square" rtlCol="0">
+            <a:spAutoFit/>
+          </a:bodyPr>
+          <a:p>
+            <a:r>
+              <a:rPr lang="id-ID" altLang="en-US" sz="3200" b="1">
+                <a:latin typeface="Poppins" panose="00000500000000000000" charset="0"/>
+                <a:cs typeface="Poppins" panose="00000500000000000000" charset="0"/>
+              </a:rPr>
+              <a:t>Profile Perusahaan</a:t>
+            </a:r>
+            <a:endParaRPr lang="id-ID" altLang="en-US" sz="3200" b="1">
+              <a:latin typeface="Poppins" panose="00000500000000000000" charset="0"/>
+              <a:cs typeface="Poppins" panose="00000500000000000000" charset="0"/>
+            </a:endParaRPr>
+          </a:p>
+        </p:txBody>
+      </p:sp>
+      <p:pic>
+        <p:nvPicPr>
+          <p:cNvPr id="13" name="Content Placeholder 12" descr="logo"/>
+          <p:cNvPicPr>
+            <a:picLocks noChangeAspect="1"/>
+          </p:cNvPicPr>
+          <p:nvPr>
+            <p:ph idx="1"/>
+          </p:nvPr>
+        </p:nvPicPr>
+        <p:blipFill>
+          <a:blip r:embed="rId1"/>
+          <a:stretch>
+            <a:fillRect/>
+          </a:stretch>
+        </p:blipFill>
+        <p:spPr>
+          <a:xfrm>
+            <a:off x="638175" y="523875"/>
+            <a:ext cx="390525" cy="390525"/>
+          </a:xfrm>
+          <a:prstGeom prst="rect">
+            <a:avLst/>
+          </a:prstGeom>
+        </p:spPr>
+      </p:pic>
+      <p:sp>
+        <p:nvSpPr>
+          <p:cNvPr id="9" name="Rounded Rectangle 8"/>
+          <p:cNvSpPr/>
+          <p:nvPr/>
+        </p:nvSpPr>
+        <p:spPr>
+          <a:xfrm>
+            <a:off x="1090295" y="524510"/>
+            <a:ext cx="1024255" cy="389890"/>
+          </a:xfrm>
+          <a:prstGeom prst="roundRect">
+            <a:avLst>
+              <a:gd name="adj" fmla="val 0"/>
+            </a:avLst>
+          </a:prstGeom>
+          <a:solidFill>
+            <a:srgbClr val="DA251C"/>
+          </a:solidFill>
+          <a:ln>
+            <a:noFill/>
+          </a:ln>
+        </p:spPr>
+        <p:style>
+          <a:lnRef idx="2">
+            <a:schemeClr val="accent1">
+              <a:shade val="50000"/>
+            </a:schemeClr>
+          </a:lnRef>
+          <a:fillRef idx="1">
+            <a:schemeClr val="accent1"/>
+          </a:fillRef>
+          <a:effectRef idx="0">
+            <a:schemeClr val="accent1"/>
+          </a:effectRef>
+          <a:fontRef idx="minor">
+            <a:schemeClr val="lt1"/>
+          </a:fontRef>
+        </p:style>
+        <p:txBody>
+          <a:bodyPr rtlCol="0" anchor="ctr"/>
+          <a:p>
+            <a:pPr algn="ctr"/>
+            <a:r>
+              <a:rPr lang="id-ID" altLang="en-US" sz="2000" b="1">
+                <a:latin typeface="Poppins" panose="00000500000000000000" charset="0"/>
+                <a:cs typeface="Poppins" panose="00000500000000000000" charset="0"/>
+              </a:rPr>
+              <a:t>QUICK</a:t>
+            </a:r>
+            <a:endParaRPr lang="id-ID" altLang="en-US" sz="2000" b="1">
+              <a:latin typeface="Poppins" panose="00000500000000000000" charset="0"/>
+              <a:cs typeface="Poppins" panose="00000500000000000000" charset="0"/>
+            </a:endParaRPr>
+          </a:p>
+        </p:txBody>
+      </p:sp>
+      <p:sp>
+        <p:nvSpPr>
+          <p:cNvPr id="7" name="Picture 4"/>
+          <p:cNvSpPr/>
+          <p:nvPr/>
+        </p:nvSpPr>
+        <p:spPr>
+          <a:xfrm>
+            <a:off x="3894773" y="2188700"/>
+            <a:ext cx="4402455" cy="2480601"/>
+          </a:xfrm>
+        </p:spPr>
+      </p:sp>
+      <p:pic>
+        <p:nvPicPr>
+          <p:cNvPr id="8" name="Picture 7"/>
+          <p:cNvPicPr>
+            <a:picLocks noChangeAspect="1"/>
+          </p:cNvPicPr>
+          <p:nvPr/>
+        </p:nvPicPr>
+        <p:blipFill>
+          <a:blip r:embed="rId2"/>
+          <a:stretch>
+            <a:fillRect/>
+          </a:stretch>
+        </p:blipFill>
+        <p:spPr>
+          <a:xfrm>
+            <a:off x="638175" y="1774190"/>
+            <a:ext cx="4438650" cy="2514600"/>
+          </a:xfrm>
+          <a:prstGeom prst="rect">
+            <a:avLst/>
+          </a:prstGeom>
+        </p:spPr>
+      </p:pic>
+      <p:sp>
+        <p:nvSpPr>
+          <p:cNvPr id="12" name="Text Box 11"/>
+          <p:cNvSpPr txBox="1"/>
+          <p:nvPr/>
+        </p:nvSpPr>
+        <p:spPr>
+          <a:xfrm>
+            <a:off x="5504180" y="1800860"/>
+            <a:ext cx="6016625" cy="2461260"/>
+          </a:xfrm>
+          <a:prstGeom prst="rect">
+            <a:avLst/>
+          </a:prstGeom>
+          <a:noFill/>
+        </p:spPr>
+        <p:txBody>
+          <a:bodyPr wrap="square" rtlCol="0">
+            <a:spAutoFit/>
+          </a:bodyPr>
+          <a:p>
+            <a:pPr algn="l"/>
+            <a:r>
+              <a:rPr lang="id-ID" altLang="en-US" sz="2200">
+                <a:solidFill>
+                  <a:schemeClr val="tx1"/>
+                </a:solidFill>
+                <a:latin typeface="Quicksand" charset="0"/>
+                <a:cs typeface="Quicksand" charset="0"/>
+              </a:rPr>
+              <a:t>CV. Karya Hidup Sentosa merupakan perusahaan yang bergerak pada bidang alat pertanian. Didirikan oleh bapak </a:t>
+            </a:r>
+            <a:r>
+              <a:rPr lang="id-ID" altLang="en-US" sz="2200" b="1">
+                <a:solidFill>
+                  <a:schemeClr val="tx1"/>
+                </a:solidFill>
+                <a:latin typeface="Quicksand" charset="0"/>
+                <a:cs typeface="Quicksand" charset="0"/>
+              </a:rPr>
+              <a:t>Kirdjo Hadi Suseno</a:t>
+            </a:r>
+            <a:r>
+              <a:rPr lang="id-ID" altLang="en-US" sz="2200">
+                <a:solidFill>
+                  <a:schemeClr val="tx1"/>
+                </a:solidFill>
+                <a:latin typeface="Quicksand" charset="0"/>
+                <a:cs typeface="Quicksand" charset="0"/>
+              </a:rPr>
+              <a:t> pada tahun </a:t>
+            </a:r>
+            <a:r>
+              <a:rPr lang="id-ID" altLang="en-US" sz="2200" b="1">
+                <a:solidFill>
+                  <a:schemeClr val="tx1"/>
+                </a:solidFill>
+                <a:latin typeface="Quicksand" charset="0"/>
+                <a:cs typeface="Quicksand" charset="0"/>
+              </a:rPr>
+              <a:t>1953</a:t>
+            </a:r>
+            <a:r>
+              <a:rPr lang="id-ID" altLang="en-US" sz="2200">
+                <a:solidFill>
+                  <a:schemeClr val="tx1"/>
+                </a:solidFill>
+                <a:latin typeface="Quicksand" charset="0"/>
+                <a:cs typeface="Quicksand" charset="0"/>
+              </a:rPr>
+              <a:t> di Yogyakarta, dan saat ini perusahaan telah diteruskan oleh generasi kedua yakni bapak </a:t>
+            </a:r>
+            <a:r>
+              <a:rPr lang="id-ID" altLang="en-US" sz="2200" b="1">
+                <a:solidFill>
+                  <a:schemeClr val="tx1"/>
+                </a:solidFill>
+                <a:latin typeface="Quicksand" charset="0"/>
+                <a:cs typeface="Quicksand" charset="0"/>
+              </a:rPr>
+              <a:t>Hendro Wijayanto</a:t>
+            </a:r>
+            <a:r>
+              <a:rPr lang="id-ID" altLang="en-US" sz="2200">
+                <a:solidFill>
+                  <a:schemeClr val="tx1"/>
+                </a:solidFill>
+                <a:latin typeface="Quicksand" charset="0"/>
+                <a:cs typeface="Quicksand" charset="0"/>
+              </a:rPr>
+              <a:t>.</a:t>
+            </a:r>
+            <a:endParaRPr lang="id-ID" altLang="en-US" sz="2200">
+              <a:solidFill>
+                <a:schemeClr val="tx1"/>
+              </a:solidFill>
+              <a:latin typeface="Quicksand" charset="0"/>
+              <a:cs typeface="Quicksand" charset="0"/>
+            </a:endParaRPr>
+          </a:p>
+        </p:txBody>
+      </p:sp>
+      <p:sp>
+        <p:nvSpPr>
+          <p:cNvPr id="14" name="Text Box 13"/>
+          <p:cNvSpPr txBox="1"/>
+          <p:nvPr/>
+        </p:nvSpPr>
+        <p:spPr>
+          <a:xfrm>
+            <a:off x="638175" y="4565015"/>
+            <a:ext cx="11005185" cy="1445260"/>
+          </a:xfrm>
+          <a:prstGeom prst="rect">
+            <a:avLst/>
+          </a:prstGeom>
+          <a:noFill/>
+        </p:spPr>
+        <p:txBody>
+          <a:bodyPr wrap="square" rtlCol="0">
+            <a:spAutoFit/>
+          </a:bodyPr>
+          <a:p>
+            <a:pPr algn="l"/>
+            <a:r>
+              <a:rPr lang="id-ID" altLang="en-US" sz="2200">
+                <a:solidFill>
+                  <a:schemeClr val="tx1"/>
+                </a:solidFill>
+                <a:latin typeface="Quicksand" charset="0"/>
+                <a:cs typeface="Quicksand" charset="0"/>
+              </a:rPr>
+              <a:t>Berawal dari bengkel kecil, CV. Karya Hidup Sentosa menjadi perusahaan terbesar di Indonesia pada bidang</a:t>
+            </a:r>
+            <a:r>
+              <a:rPr lang="id-ID" altLang="en-US" sz="2200" b="1">
+                <a:solidFill>
+                  <a:schemeClr val="tx1"/>
+                </a:solidFill>
+                <a:latin typeface="Quicksand" charset="0"/>
+                <a:cs typeface="Quicksand" charset="0"/>
+              </a:rPr>
+              <a:t> industri mesin pertanian</a:t>
+            </a:r>
+            <a:r>
+              <a:rPr lang="id-ID" altLang="en-US" sz="2200">
+                <a:solidFill>
+                  <a:schemeClr val="tx1"/>
+                </a:solidFill>
+                <a:latin typeface="Quicksand" charset="0"/>
+                <a:cs typeface="Quicksand" charset="0"/>
+              </a:rPr>
+              <a:t>. Tidak hanya sampai disitu, perusahaan juga memperluas ke </a:t>
+            </a:r>
+            <a:r>
+              <a:rPr lang="id-ID" altLang="en-US" sz="2200" b="1">
+                <a:solidFill>
+                  <a:schemeClr val="tx1"/>
+                </a:solidFill>
+                <a:latin typeface="Quicksand" charset="0"/>
+                <a:cs typeface="Quicksand" charset="0"/>
+              </a:rPr>
+              <a:t>bidang pengecoran logam</a:t>
+            </a:r>
+            <a:r>
+              <a:rPr lang="id-ID" altLang="en-US" sz="2200">
+                <a:solidFill>
+                  <a:schemeClr val="tx1"/>
+                </a:solidFill>
+                <a:latin typeface="Quicksand" charset="0"/>
+                <a:cs typeface="Quicksand" charset="0"/>
+              </a:rPr>
+              <a:t> yang dibutuhkan untuk komponen traktor dan guna melayani beberapa pesanan luar.</a:t>
+            </a:r>
+            <a:endParaRPr lang="id-ID" altLang="en-US" sz="2200">
+              <a:solidFill>
+                <a:schemeClr val="tx1"/>
+              </a:solidFill>
+              <a:latin typeface="Quicksand" charset="0"/>
+              <a:cs typeface="Quicksand" charset="0"/>
+            </a:endParaRPr>
+          </a:p>
+        </p:txBody>
+      </p:sp>
+    </p:spTree>
+  </p:cSld>
+  <p:clrMapOvr>
+    <a:masterClrMapping/>
+  </p:clrMapOvr>
+  <mc:AlternateContent xmlns:mc="http://schemas.openxmlformats.org/markup-compatibility/2006" xmlns:p159="http://schemas.microsoft.com/office/powerpoint/2015/09/main">
+    <mc:Choice Requires="p159">
+      <p:transition xmlns:p14="http://schemas.microsoft.com/office/powerpoint/2010/main" p14:dur="2000">
+        <p159:morph option="byObject"/>
+      </p:transition>
+    </mc:Choice>
+    <mc:Fallback>
+      <p:transition>
+        <p:fade/>
+      </p:transition>
+    </mc:Fallback>
+  </mc:AlternateContent>
+</p:sld>
+</file>
+
+<file path=ppt/slides/slide3.xml><?xml version="1.0" encoding="utf-8"?>
+<p:sld xmlns:a="http://schemas.openxmlformats.org/drawingml/2006/main" xmlns:r="http://schemas.openxmlformats.org/officeDocument/2006/relationships" xmlns:p="http://schemas.openxmlformats.org/presentationml/2006/main">
+  <p:cSld>
+    <p:spTree>
+      <p:nvGrpSpPr>
+        <p:cNvPr id="1" name=""/>
+        <p:cNvGrpSpPr/>
+        <p:nvPr/>
+      </p:nvGrpSpPr>
+      <p:grpSpPr/>
+      <p:sp>
+        <p:nvSpPr>
+          <p:cNvPr id="5" name="Text Box 4"/>
+          <p:cNvSpPr txBox="1"/>
+          <p:nvPr/>
+        </p:nvSpPr>
+        <p:spPr>
+          <a:xfrm>
+            <a:off x="3863975" y="697865"/>
+            <a:ext cx="4464050" cy="583565"/>
+          </a:xfrm>
+          <a:prstGeom prst="rect">
+            <a:avLst/>
+          </a:prstGeom>
+          <a:noFill/>
+        </p:spPr>
+        <p:txBody>
+          <a:bodyPr wrap="square" rtlCol="0">
+            <a:spAutoFit/>
+          </a:bodyPr>
+          <a:p>
+            <a:pPr algn="ctr"/>
+            <a:r>
+              <a:rPr lang="id-ID" altLang="en-US" sz="3200" b="1">
+                <a:latin typeface="Poppins" panose="00000500000000000000" charset="0"/>
+                <a:cs typeface="Poppins" panose="00000500000000000000" charset="0"/>
+              </a:rPr>
+              <a:t>Struktur Organisasi</a:t>
+            </a:r>
+            <a:endParaRPr lang="id-ID" altLang="en-US" sz="3200" b="1">
+              <a:latin typeface="Poppins" panose="00000500000000000000" charset="0"/>
+              <a:cs typeface="Poppins" panose="00000500000000000000" charset="0"/>
+            </a:endParaRPr>
+          </a:p>
+        </p:txBody>
+      </p:sp>
+      <p:pic>
+        <p:nvPicPr>
+          <p:cNvPr id="13" name="Content Placeholder 12" descr="logo"/>
+          <p:cNvPicPr>
+            <a:picLocks noChangeAspect="1"/>
+          </p:cNvPicPr>
+          <p:nvPr/>
+        </p:nvPicPr>
+        <p:blipFill>
+          <a:blip r:embed="rId1"/>
+          <a:stretch>
+            <a:fillRect/>
+          </a:stretch>
+        </p:blipFill>
+        <p:spPr>
+          <a:xfrm>
+            <a:off x="5314950" y="307340"/>
+            <a:ext cx="390525" cy="390525"/>
+          </a:xfrm>
+          <a:prstGeom prst="rect">
+            <a:avLst/>
+          </a:prstGeom>
+        </p:spPr>
+      </p:pic>
+      <p:sp>
+        <p:nvSpPr>
+          <p:cNvPr id="9" name="Rounded Rectangle 8"/>
+          <p:cNvSpPr/>
+          <p:nvPr/>
+        </p:nvSpPr>
+        <p:spPr>
+          <a:xfrm>
+            <a:off x="5767070" y="307975"/>
+            <a:ext cx="1024255" cy="389890"/>
+          </a:xfrm>
+          <a:prstGeom prst="roundRect">
+            <a:avLst>
+              <a:gd name="adj" fmla="val 0"/>
+            </a:avLst>
+          </a:prstGeom>
+          <a:solidFill>
+            <a:srgbClr val="DA251C"/>
+          </a:solidFill>
+          <a:ln>
+            <a:noFill/>
+          </a:ln>
+        </p:spPr>
+        <p:style>
+          <a:lnRef idx="2">
+            <a:schemeClr val="accent1">
+              <a:shade val="50000"/>
+            </a:schemeClr>
+          </a:lnRef>
+          <a:fillRef idx="1">
+            <a:schemeClr val="accent1"/>
+          </a:fillRef>
+          <a:effectRef idx="0">
+            <a:schemeClr val="accent1"/>
+          </a:effectRef>
+          <a:fontRef idx="minor">
+            <a:schemeClr val="lt1"/>
+          </a:fontRef>
+        </p:style>
+        <p:txBody>
+          <a:bodyPr rtlCol="0" anchor="ctr"/>
+          <a:p>
+            <a:pPr algn="ctr"/>
+            <a:r>
+              <a:rPr lang="id-ID" altLang="en-US" sz="2000" b="1">
+                <a:latin typeface="Poppins" panose="00000500000000000000" charset="0"/>
+                <a:cs typeface="Poppins" panose="00000500000000000000" charset="0"/>
+              </a:rPr>
+              <a:t>QUICK</a:t>
+            </a:r>
+            <a:endParaRPr lang="id-ID" altLang="en-US" sz="2000" b="1">
+              <a:latin typeface="Poppins" panose="00000500000000000000" charset="0"/>
+              <a:cs typeface="Poppins" panose="00000500000000000000" charset="0"/>
+            </a:endParaRPr>
+          </a:p>
+        </p:txBody>
+      </p:sp>
+      <p:pic>
+        <p:nvPicPr>
+          <p:cNvPr id="4" name="Picture 3" descr="Blank diagram (1)"/>
+          <p:cNvPicPr>
+            <a:picLocks noChangeAspect="1"/>
+          </p:cNvPicPr>
+          <p:nvPr/>
+        </p:nvPicPr>
+        <p:blipFill>
+          <a:blip r:embed="rId2"/>
+          <a:stretch>
+            <a:fillRect/>
+          </a:stretch>
+        </p:blipFill>
+        <p:spPr>
+          <a:xfrm>
+            <a:off x="2324100" y="1440180"/>
+            <a:ext cx="7543800" cy="5041265"/>
+          </a:xfrm>
+          <a:prstGeom prst="rect">
+            <a:avLst/>
+          </a:prstGeom>
+        </p:spPr>
+      </p:pic>
+    </p:spTree>
+  </p:cSld>
+  <p:clrMapOvr>
+    <a:masterClrMapping/>
+  </p:clrMapOvr>
+  <mc:AlternateContent xmlns:mc="http://schemas.openxmlformats.org/markup-compatibility/2006" xmlns:p159="http://schemas.microsoft.com/office/powerpoint/2015/09/main">
+    <mc:Choice Requires="p159">
+      <p:transition xmlns:p14="http://schemas.microsoft.com/office/powerpoint/2010/main" p14:dur="2000">
+        <p159:morph option="byObject"/>
+      </p:transition>
+    </mc:Choice>
+    <mc:Fallback>
+      <p:transition>
+        <p:fade/>
+      </p:transition>
+    </mc:Fallback>
+  </mc:AlternateContent>
 </p:sld>
 </file>
 
